--- a/Pitch.pptx
+++ b/Pitch.pptx
@@ -8,10 +8,12 @@
     <p:sldId id="256" r:id="rId2"/>
     <p:sldId id="257" r:id="rId3"/>
     <p:sldId id="258" r:id="rId4"/>
-    <p:sldId id="259" r:id="rId5"/>
-    <p:sldId id="260" r:id="rId6"/>
-    <p:sldId id="261" r:id="rId7"/>
-    <p:sldId id="262" r:id="rId8"/>
+    <p:sldId id="264" r:id="rId5"/>
+    <p:sldId id="263" r:id="rId6"/>
+    <p:sldId id="259" r:id="rId7"/>
+    <p:sldId id="260" r:id="rId8"/>
+    <p:sldId id="261" r:id="rId9"/>
+    <p:sldId id="262" r:id="rId10"/>
   </p:sldIdLst>
   <p:sldSz cx="9144000" cy="6858000" type="screen4x3"/>
   <p:notesSz cx="6858000" cy="9144000"/>
@@ -3888,30 +3890,92 @@
           <a:chExt cx="0" cy="0"/>
         </a:xfrm>
       </p:grpSpPr>
-      <p:pic>
-        <p:nvPicPr>
-          <p:cNvPr id="9" name="Content Placeholder 8" descr="2016-03-24-174702_1920x950_scrot.png"/>
-          <p:cNvPicPr>
-            <a:picLocks noGrp="1" noChangeAspect="1"/>
-          </p:cNvPicPr>
+      <p:sp>
+        <p:nvSpPr>
+          <p:cNvPr id="2" name="Content Placeholder 1"/>
+          <p:cNvSpPr>
+            <a:spLocks noGrp="1"/>
+          </p:cNvSpPr>
           <p:nvPr>
             <p:ph idx="1"/>
           </p:nvPr>
-        </p:nvPicPr>
-        <p:blipFill>
-          <a:blip r:embed="rId2" cstate="print"/>
-          <a:srcRect l="15017" t="18968" r="53073" b="26023"/>
-          <a:stretch>
-            <a:fillRect/>
-          </a:stretch>
-        </p:blipFill>
-        <p:spPr>
-          <a:xfrm>
-            <a:off x="685800" y="152400"/>
-            <a:ext cx="7388352" cy="6301831"/>
-          </a:xfrm>
-        </p:spPr>
-      </p:pic>
+        </p:nvSpPr>
+        <p:spPr/>
+        <p:txBody>
+          <a:bodyPr>
+            <a:normAutofit lnSpcReduction="10000"/>
+          </a:bodyPr>
+          <a:lstStyle/>
+          <a:p>
+            <a:r>
+              <a:rPr lang="en-US" dirty="0" smtClean="0"/>
+              <a:t>We will separately work on each category we are adding, </a:t>
+            </a:r>
+            <a:r>
+              <a:rPr lang="en-US" dirty="0" err="1" smtClean="0"/>
+              <a:t>ie</a:t>
+            </a:r>
+            <a:r>
+              <a:rPr lang="en-US" dirty="0" smtClean="0"/>
+              <a:t> moves/items/NPC’s</a:t>
+            </a:r>
+          </a:p>
+          <a:p>
+            <a:r>
+              <a:rPr lang="en-US" dirty="0" smtClean="0"/>
+              <a:t>We expect to be able to work with the project’s creators if any problems arise</a:t>
+            </a:r>
+          </a:p>
+          <a:p>
+            <a:r>
+              <a:rPr lang="en-US" dirty="0" smtClean="0"/>
+              <a:t>At the end we will send a pull request to the master branch</a:t>
+            </a:r>
+          </a:p>
+          <a:p>
+            <a:r>
+              <a:rPr lang="en-US" dirty="0" smtClean="0"/>
+              <a:t>This project will be sustainable as we are filling in the missing information and there is always more features to add</a:t>
+            </a:r>
+          </a:p>
+          <a:p>
+            <a:r>
+              <a:rPr lang="en-US" dirty="0" smtClean="0"/>
+              <a:t>They are trying to port this game to windows so our changes will be transferred to that </a:t>
+            </a:r>
+            <a:r>
+              <a:rPr lang="en-US" smtClean="0"/>
+              <a:t>new version</a:t>
+            </a:r>
+            <a:endParaRPr lang="en-US" dirty="0"/>
+          </a:p>
+        </p:txBody>
+      </p:sp>
+      <p:sp>
+        <p:nvSpPr>
+          <p:cNvPr id="3" name="Title 2"/>
+          <p:cNvSpPr>
+            <a:spLocks noGrp="1"/>
+          </p:cNvSpPr>
+          <p:nvPr>
+            <p:ph type="title"/>
+          </p:nvPr>
+        </p:nvSpPr>
+        <p:spPr/>
+        <p:txBody>
+          <a:bodyPr>
+            <a:normAutofit fontScale="90000"/>
+          </a:bodyPr>
+          <a:lstStyle/>
+          <a:p>
+            <a:r>
+              <a:rPr lang="en-US" dirty="0" smtClean="0"/>
+              <a:t>Division of Work/Community Formation/Sustainability		</a:t>
+            </a:r>
+            <a:endParaRPr lang="en-US" dirty="0"/>
+          </a:p>
+        </p:txBody>
+      </p:sp>
     </p:spTree>
   </p:cSld>
   <p:clrMapOvr>
@@ -3937,6 +4001,154 @@
           <a:chExt cx="0" cy="0"/>
         </a:xfrm>
       </p:grpSpPr>
+      <p:sp>
+        <p:nvSpPr>
+          <p:cNvPr id="2" name="Content Placeholder 1"/>
+          <p:cNvSpPr>
+            <a:spLocks noGrp="1"/>
+          </p:cNvSpPr>
+          <p:nvPr>
+            <p:ph idx="1"/>
+          </p:nvPr>
+        </p:nvSpPr>
+        <p:spPr/>
+        <p:txBody>
+          <a:bodyPr/>
+          <a:lstStyle/>
+          <a:p>
+            <a:r>
+              <a:rPr lang="en-US" dirty="0" smtClean="0"/>
+              <a:t>Weeks 1 – 3 : Learn </a:t>
+            </a:r>
+            <a:r>
+              <a:rPr lang="en-US" dirty="0" err="1" smtClean="0"/>
+              <a:t>Ocaml</a:t>
+            </a:r>
+            <a:r>
+              <a:rPr lang="en-US" dirty="0" smtClean="0"/>
+              <a:t> and get familiar with the environment</a:t>
+            </a:r>
+          </a:p>
+          <a:p>
+            <a:r>
+              <a:rPr lang="en-US" dirty="0" smtClean="0"/>
+              <a:t>Weeks 4-6: Start adding the project and working on the goals we set out to achieve. Add items/</a:t>
+            </a:r>
+            <a:r>
+              <a:rPr lang="en-US" dirty="0" err="1" smtClean="0"/>
+              <a:t>npcs</a:t>
+            </a:r>
+            <a:r>
+              <a:rPr lang="en-US" dirty="0" smtClean="0"/>
+              <a:t>/moves to the game</a:t>
+            </a:r>
+          </a:p>
+          <a:p>
+            <a:r>
+              <a:rPr lang="en-US" dirty="0" smtClean="0"/>
+              <a:t>Week 7: Review our code and get ready to submit back to the main repository</a:t>
+            </a:r>
+            <a:endParaRPr lang="en-US" dirty="0"/>
+          </a:p>
+        </p:txBody>
+      </p:sp>
+      <p:sp>
+        <p:nvSpPr>
+          <p:cNvPr id="3" name="Title 2"/>
+          <p:cNvSpPr>
+            <a:spLocks noGrp="1"/>
+          </p:cNvSpPr>
+          <p:nvPr>
+            <p:ph type="title"/>
+          </p:nvPr>
+        </p:nvSpPr>
+        <p:spPr/>
+        <p:txBody>
+          <a:bodyPr/>
+          <a:lstStyle/>
+          <a:p>
+            <a:r>
+              <a:rPr lang="en-US" dirty="0" smtClean="0"/>
+              <a:t>Schedule	</a:t>
+            </a:r>
+            <a:endParaRPr lang="en-US" dirty="0"/>
+          </a:p>
+        </p:txBody>
+      </p:sp>
+    </p:spTree>
+  </p:cSld>
+  <p:clrMapOvr>
+    <a:masterClrMapping/>
+  </p:clrMapOvr>
+</p:sld>
+</file>
+
+<file path=ppt/slides/slide6.xml><?xml version="1.0" encoding="utf-8"?>
+<p:sld xmlns:a="http://schemas.openxmlformats.org/drawingml/2006/main" xmlns:r="http://schemas.openxmlformats.org/officeDocument/2006/relationships" xmlns:p="http://schemas.openxmlformats.org/presentationml/2006/main">
+  <p:cSld>
+    <p:spTree>
+      <p:nvGrpSpPr>
+        <p:cNvPr id="1" name=""/>
+        <p:cNvGrpSpPr/>
+        <p:nvPr/>
+      </p:nvGrpSpPr>
+      <p:grpSpPr>
+        <a:xfrm>
+          <a:off x="0" y="0"/>
+          <a:ext cx="0" cy="0"/>
+          <a:chOff x="0" y="0"/>
+          <a:chExt cx="0" cy="0"/>
+        </a:xfrm>
+      </p:grpSpPr>
+      <p:pic>
+        <p:nvPicPr>
+          <p:cNvPr id="9" name="Content Placeholder 8" descr="2016-03-24-174702_1920x950_scrot.png"/>
+          <p:cNvPicPr>
+            <a:picLocks noGrp="1" noChangeAspect="1"/>
+          </p:cNvPicPr>
+          <p:nvPr>
+            <p:ph idx="1"/>
+          </p:nvPr>
+        </p:nvPicPr>
+        <p:blipFill>
+          <a:blip r:embed="rId2" cstate="print"/>
+          <a:srcRect l="15017" t="18968" r="53073" b="26023"/>
+          <a:stretch>
+            <a:fillRect/>
+          </a:stretch>
+        </p:blipFill>
+        <p:spPr>
+          <a:xfrm>
+            <a:off x="685800" y="152400"/>
+            <a:ext cx="7388352" cy="6301831"/>
+          </a:xfrm>
+        </p:spPr>
+      </p:pic>
+    </p:spTree>
+  </p:cSld>
+  <p:clrMapOvr>
+    <a:masterClrMapping/>
+  </p:clrMapOvr>
+</p:sld>
+</file>
+
+<file path=ppt/slides/slide7.xml><?xml version="1.0" encoding="utf-8"?>
+<p:sld xmlns:a="http://schemas.openxmlformats.org/drawingml/2006/main" xmlns:r="http://schemas.openxmlformats.org/officeDocument/2006/relationships" xmlns:p="http://schemas.openxmlformats.org/presentationml/2006/main">
+  <p:cSld>
+    <p:spTree>
+      <p:nvGrpSpPr>
+        <p:cNvPr id="1" name=""/>
+        <p:cNvGrpSpPr/>
+        <p:nvPr/>
+      </p:nvGrpSpPr>
+      <p:grpSpPr>
+        <a:xfrm>
+          <a:off x="0" y="0"/>
+          <a:ext cx="0" cy="0"/>
+          <a:chOff x="0" y="0"/>
+          <a:chExt cx="0" cy="0"/>
+        </a:xfrm>
+      </p:grpSpPr>
       <p:pic>
         <p:nvPicPr>
           <p:cNvPr id="4" name="Content Placeholder 3" descr="2016-03-25-020823_1920x950_scrot.png"/>
@@ -3969,7 +4181,7 @@
 </p:sld>
 </file>
 
-<file path=ppt/slides/slide6.xml><?xml version="1.0" encoding="utf-8"?>
+<file path=ppt/slides/slide8.xml><?xml version="1.0" encoding="utf-8"?>
 <p:sld xmlns:a="http://schemas.openxmlformats.org/drawingml/2006/main" xmlns:r="http://schemas.openxmlformats.org/officeDocument/2006/relationships" xmlns:p="http://schemas.openxmlformats.org/presentationml/2006/main">
   <p:cSld>
     <p:spTree>
@@ -4019,7 +4231,7 @@
 </p:sld>
 </file>
 
-<file path=ppt/slides/slide7.xml><?xml version="1.0" encoding="utf-8"?>
+<file path=ppt/slides/slide9.xml><?xml version="1.0" encoding="utf-8"?>
 <p:sld xmlns:a="http://schemas.openxmlformats.org/drawingml/2006/main" xmlns:r="http://schemas.openxmlformats.org/officeDocument/2006/relationships" xmlns:p="http://schemas.openxmlformats.org/presentationml/2006/main">
   <p:cSld>
     <p:spTree>
